--- a/assets/tactile_image_files/0012-Tectonic_plates_with_continents/0012-tectonic_plates_with_conts.pptx
+++ b/assets/tactile_image_files/0012-Tectonic_plates_with_continents/0012-tectonic_plates_with_conts.pptx
@@ -198,7 +198,7 @@
           </a:lstStyle>
           <a:p>
             <a:fld id="{DC880F74-5F87-E94E-8AEF-72C270124CC0}" type="datetimeFigureOut">
-              <a:t>7/23/20</a:t>
+              <a:t>7/13/21</a:t>
             </a:fld>
             <a:endParaRPr lang="en-US"/>
           </a:p>
@@ -603,7 +603,7 @@
           <a:p>
             <a:fld id="{E796F801-3BB8-A247-923B-F07F1B58D38A}" type="datetimeFigureOut">
               <a:rPr lang="en-US" smtClean="0"/>
-              <a:t>7/23/20</a:t>
+              <a:t>7/13/21</a:t>
             </a:fld>
             <a:endParaRPr lang="en-US"/>
           </a:p>
@@ -783,7 +783,7 @@
           <a:p>
             <a:fld id="{E796F801-3BB8-A247-923B-F07F1B58D38A}" type="datetimeFigureOut">
               <a:rPr lang="en-US" smtClean="0"/>
-              <a:t>7/23/20</a:t>
+              <a:t>7/13/21</a:t>
             </a:fld>
             <a:endParaRPr lang="en-US"/>
           </a:p>
@@ -953,7 +953,7 @@
           <a:p>
             <a:fld id="{E796F801-3BB8-A247-923B-F07F1B58D38A}" type="datetimeFigureOut">
               <a:rPr lang="en-US" smtClean="0"/>
-              <a:t>7/23/20</a:t>
+              <a:t>7/13/21</a:t>
             </a:fld>
             <a:endParaRPr lang="en-US"/>
           </a:p>
@@ -1197,7 +1197,7 @@
           <a:p>
             <a:fld id="{E796F801-3BB8-A247-923B-F07F1B58D38A}" type="datetimeFigureOut">
               <a:rPr lang="en-US" smtClean="0"/>
-              <a:t>7/23/20</a:t>
+              <a:t>7/13/21</a:t>
             </a:fld>
             <a:endParaRPr lang="en-US"/>
           </a:p>
@@ -1429,7 +1429,7 @@
           <a:p>
             <a:fld id="{E796F801-3BB8-A247-923B-F07F1B58D38A}" type="datetimeFigureOut">
               <a:rPr lang="en-US" smtClean="0"/>
-              <a:t>7/23/20</a:t>
+              <a:t>7/13/21</a:t>
             </a:fld>
             <a:endParaRPr lang="en-US"/>
           </a:p>
@@ -1796,7 +1796,7 @@
           <a:p>
             <a:fld id="{E796F801-3BB8-A247-923B-F07F1B58D38A}" type="datetimeFigureOut">
               <a:rPr lang="en-US" smtClean="0"/>
-              <a:t>7/23/20</a:t>
+              <a:t>7/13/21</a:t>
             </a:fld>
             <a:endParaRPr lang="en-US"/>
           </a:p>
@@ -1914,7 +1914,7 @@
           <a:p>
             <a:fld id="{E796F801-3BB8-A247-923B-F07F1B58D38A}" type="datetimeFigureOut">
               <a:rPr lang="en-US" smtClean="0"/>
-              <a:t>7/23/20</a:t>
+              <a:t>7/13/21</a:t>
             </a:fld>
             <a:endParaRPr lang="en-US"/>
           </a:p>
@@ -2009,7 +2009,7 @@
           <a:p>
             <a:fld id="{E796F801-3BB8-A247-923B-F07F1B58D38A}" type="datetimeFigureOut">
               <a:rPr lang="en-US" smtClean="0"/>
-              <a:t>7/23/20</a:t>
+              <a:t>7/13/21</a:t>
             </a:fld>
             <a:endParaRPr lang="en-US"/>
           </a:p>
@@ -2286,7 +2286,7 @@
           <a:p>
             <a:fld id="{E796F801-3BB8-A247-923B-F07F1B58D38A}" type="datetimeFigureOut">
               <a:rPr lang="en-US" smtClean="0"/>
-              <a:t>7/23/20</a:t>
+              <a:t>7/13/21</a:t>
             </a:fld>
             <a:endParaRPr lang="en-US"/>
           </a:p>
@@ -2543,7 +2543,7 @@
           <a:p>
             <a:fld id="{E796F801-3BB8-A247-923B-F07F1B58D38A}" type="datetimeFigureOut">
               <a:rPr lang="en-US" smtClean="0"/>
-              <a:t>7/23/20</a:t>
+              <a:t>7/13/21</a:t>
             </a:fld>
             <a:endParaRPr lang="en-US"/>
           </a:p>
@@ -2756,7 +2756,7 @@
           <a:p>
             <a:fld id="{E796F801-3BB8-A247-923B-F07F1B58D38A}" type="datetimeFigureOut">
               <a:rPr lang="en-US" smtClean="0"/>
-              <a:t>7/23/20</a:t>
+              <a:t>7/13/21</a:t>
             </a:fld>
             <a:endParaRPr lang="en-US"/>
           </a:p>
@@ -3661,12 +3661,12 @@
           <a:lstStyle/>
           <a:p>
             <a:r>
-              <a:rPr lang="en-US" sz="2400">
+              <a:rPr lang="en-US" sz="2400" dirty="0">
                 <a:latin typeface="Swell Braille" pitchFamily="49"/>
                 <a:ea typeface="Braille Normal" charset="0"/>
                 <a:cs typeface="Braille Normal" charset="0"/>
               </a:rPr>
-              <a:t>⠠⠞⠑⠉⠞⠕⠝⠊⠉⠀⠠⠏⠇⠁⠞⠑⠎⠀⠐⠣⠾⠀⠉⠕⠝⠞⠔⠢⠞⠎⠐⠜</a:t>
+              <a:t>⠠⠞⠑⠉⠞⠕⠝⠊⠉⠀⠠⠏⠇⠁⠞⠑⠎ "&lt;) 3t95ts"&gt;</a:t>
             </a:r>
           </a:p>
         </p:txBody>
